--- a/2.2 救赎的防护作用/2.2 救赎的防护作用.pptx
+++ b/2.2 救赎的防护作用/2.2 救赎的防护作用.pptx
@@ -3213,7 +3213,11 @@
             <a:pPr lvl="0"/>
             <a:r>
               <a:rPr lang="zh-CN" altLang="en-US"/>
-              <a:t>救赎成了唯一不具双面刃的防卫措施。它智慧带给人</a:t>
+              <a:t>救赎成了唯一不具双面刃的防卫措施。它</a:t>
+            </a:r>
+            <a:r>
+              <a:rPr lang="zh-CN" altLang="en-US"/>
+              <a:t>只会带给人</a:t>
             </a:r>
             <a:r>
               <a:rPr lang="zh-CN" altLang="en-US"/>
@@ -3225,7 +3229,11 @@
             <a:pPr lvl="0"/>
             <a:r>
               <a:rPr lang="zh-CN" altLang="en-US"/>
-              <a:t>救赎的功能即是帮我在前进之际，摆脱过去的束缚。它化解了过去的错误，是我无需重蹈覆辙而延误了</a:t>
+              <a:t>救赎的功能即是帮我在前进之际，摆脱过去的束缚。它化解了过去的错误，</a:t>
+            </a:r>
+            <a:r>
+              <a:rPr lang="zh-CN" altLang="en-US"/>
+              <a:t>使我无需重蹈覆辙而延误了</a:t>
             </a:r>
             <a:r>
               <a:rPr lang="zh-CN" altLang="en-US"/>
